--- a/presentation/The electrical SchoolHouse.pptx
+++ b/presentation/The electrical SchoolHouse.pptx
@@ -10,14 +10,8 @@
     <p:sldId id="258" r:id="rId4"/>
     <p:sldId id="259" r:id="rId5"/>
     <p:sldId id="260" r:id="rId6"/>
-    <p:sldId id="261" r:id="rId7"/>
-    <p:sldId id="262" r:id="rId8"/>
-    <p:sldId id="263" r:id="rId9"/>
-    <p:sldId id="264" r:id="rId10"/>
-    <p:sldId id="265" r:id="rId11"/>
-    <p:sldId id="266" r:id="rId12"/>
-    <p:sldId id="267" r:id="rId13"/>
-    <p:sldId id="268" r:id="rId14"/>
+    <p:sldId id="266" r:id="rId7"/>
+    <p:sldId id="268" r:id="rId8"/>
   </p:sldIdLst>
   <p:sldSz cx="12192000" cy="6858000"/>
   <p:notesSz cx="6858000" cy="9144000"/>
@@ -116,6 +110,11 @@
       </a:defRPr>
     </a:lvl9pPr>
   </p:defaultTextStyle>
+  <p:extLst>
+    <p:ext uri="{EFAFB233-063F-42B5-8137-9DF3F51BA10A}">
+      <p15:sldGuideLst xmlns:p15="http://schemas.microsoft.com/office/powerpoint/2012/main"/>
+    </p:ext>
+  </p:extLst>
 </p:presentation>
 </file>
 
@@ -197,6 +196,11 @@
               </a:ln>
               <a:effectLst/>
             </c:spPr>
+            <c:extLst>
+              <c:ext xmlns:c16="http://schemas.microsoft.com/office/drawing/2014/chart" uri="{C3380CC4-5D6E-409C-BE32-E72D297353CC}">
+                <c16:uniqueId val="{00000001-C60E-4DE8-AA7E-600DA9761AC6}"/>
+              </c:ext>
+            </c:extLst>
           </c:dPt>
           <c:dPt>
             <c:idx val="1"/>
@@ -212,6 +216,11 @@
               </a:ln>
               <a:effectLst/>
             </c:spPr>
+            <c:extLst>
+              <c:ext xmlns:c16="http://schemas.microsoft.com/office/drawing/2014/chart" uri="{C3380CC4-5D6E-409C-BE32-E72D297353CC}">
+                <c16:uniqueId val="{00000003-C60E-4DE8-AA7E-600DA9761AC6}"/>
+              </c:ext>
+            </c:extLst>
           </c:dPt>
           <c:dPt>
             <c:idx val="2"/>
@@ -227,6 +236,11 @@
               </a:ln>
               <a:effectLst/>
             </c:spPr>
+            <c:extLst>
+              <c:ext xmlns:c16="http://schemas.microsoft.com/office/drawing/2014/chart" uri="{C3380CC4-5D6E-409C-BE32-E72D297353CC}">
+                <c16:uniqueId val="{00000005-C60E-4DE8-AA7E-600DA9761AC6}"/>
+              </c:ext>
+            </c:extLst>
           </c:dPt>
           <c:dPt>
             <c:idx val="3"/>
@@ -242,6 +256,11 @@
               </a:ln>
               <a:effectLst/>
             </c:spPr>
+            <c:extLst>
+              <c:ext xmlns:c16="http://schemas.microsoft.com/office/drawing/2014/chart" uri="{C3380CC4-5D6E-409C-BE32-E72D297353CC}">
+                <c16:uniqueId val="{00000007-C60E-4DE8-AA7E-600DA9761AC6}"/>
+              </c:ext>
+            </c:extLst>
           </c:dPt>
           <c:dPt>
             <c:idx val="4"/>
@@ -257,6 +276,11 @@
               </a:ln>
               <a:effectLst/>
             </c:spPr>
+            <c:extLst>
+              <c:ext xmlns:c16="http://schemas.microsoft.com/office/drawing/2014/chart" uri="{C3380CC4-5D6E-409C-BE32-E72D297353CC}">
+                <c16:uniqueId val="{00000009-C60E-4DE8-AA7E-600DA9761AC6}"/>
+              </c:ext>
+            </c:extLst>
           </c:dPt>
           <c:dPt>
             <c:idx val="5"/>
@@ -272,6 +296,11 @@
               </a:ln>
               <a:effectLst/>
             </c:spPr>
+            <c:extLst>
+              <c:ext xmlns:c16="http://schemas.microsoft.com/office/drawing/2014/chart" uri="{C3380CC4-5D6E-409C-BE32-E72D297353CC}">
+                <c16:uniqueId val="{0000000B-C60E-4DE8-AA7E-600DA9761AC6}"/>
+              </c:ext>
+            </c:extLst>
           </c:dPt>
           <c:cat>
             <c:strRef>
@@ -1100,7 +1129,7 @@
           <a:p>
             <a:fld id="{B26B589B-F8E4-4D27-A429-ED1F33FF99FC}" type="datetimeFigureOut">
               <a:rPr lang="fr-FR" smtClean="0"/>
-              <a:t>18/04/2023</a:t>
+              <a:t>28/04/2023</a:t>
             </a:fld>
             <a:endParaRPr lang="fr-FR"/>
           </a:p>
@@ -1270,7 +1299,7 @@
           <a:p>
             <a:fld id="{B26B589B-F8E4-4D27-A429-ED1F33FF99FC}" type="datetimeFigureOut">
               <a:rPr lang="fr-FR" smtClean="0"/>
-              <a:t>18/04/2023</a:t>
+              <a:t>28/04/2023</a:t>
             </a:fld>
             <a:endParaRPr lang="fr-FR"/>
           </a:p>
@@ -1450,7 +1479,7 @@
           <a:p>
             <a:fld id="{B26B589B-F8E4-4D27-A429-ED1F33FF99FC}" type="datetimeFigureOut">
               <a:rPr lang="fr-FR" smtClean="0"/>
-              <a:t>18/04/2023</a:t>
+              <a:t>28/04/2023</a:t>
             </a:fld>
             <a:endParaRPr lang="fr-FR"/>
           </a:p>
@@ -1620,7 +1649,7 @@
           <a:p>
             <a:fld id="{B26B589B-F8E4-4D27-A429-ED1F33FF99FC}" type="datetimeFigureOut">
               <a:rPr lang="fr-FR" smtClean="0"/>
-              <a:t>18/04/2023</a:t>
+              <a:t>28/04/2023</a:t>
             </a:fld>
             <a:endParaRPr lang="fr-FR"/>
           </a:p>
@@ -1866,7 +1895,7 @@
           <a:p>
             <a:fld id="{B26B589B-F8E4-4D27-A429-ED1F33FF99FC}" type="datetimeFigureOut">
               <a:rPr lang="fr-FR" smtClean="0"/>
-              <a:t>18/04/2023</a:t>
+              <a:t>28/04/2023</a:t>
             </a:fld>
             <a:endParaRPr lang="fr-FR"/>
           </a:p>
@@ -2098,7 +2127,7 @@
           <a:p>
             <a:fld id="{B26B589B-F8E4-4D27-A429-ED1F33FF99FC}" type="datetimeFigureOut">
               <a:rPr lang="fr-FR" smtClean="0"/>
-              <a:t>18/04/2023</a:t>
+              <a:t>28/04/2023</a:t>
             </a:fld>
             <a:endParaRPr lang="fr-FR"/>
           </a:p>
@@ -2465,7 +2494,7 @@
           <a:p>
             <a:fld id="{B26B589B-F8E4-4D27-A429-ED1F33FF99FC}" type="datetimeFigureOut">
               <a:rPr lang="fr-FR" smtClean="0"/>
-              <a:t>18/04/2023</a:t>
+              <a:t>28/04/2023</a:t>
             </a:fld>
             <a:endParaRPr lang="fr-FR"/>
           </a:p>
@@ -2583,7 +2612,7 @@
           <a:p>
             <a:fld id="{B26B589B-F8E4-4D27-A429-ED1F33FF99FC}" type="datetimeFigureOut">
               <a:rPr lang="fr-FR" smtClean="0"/>
-              <a:t>18/04/2023</a:t>
+              <a:t>28/04/2023</a:t>
             </a:fld>
             <a:endParaRPr lang="fr-FR"/>
           </a:p>
@@ -2678,7 +2707,7 @@
           <a:p>
             <a:fld id="{B26B589B-F8E4-4D27-A429-ED1F33FF99FC}" type="datetimeFigureOut">
               <a:rPr lang="fr-FR" smtClean="0"/>
-              <a:t>18/04/2023</a:t>
+              <a:t>28/04/2023</a:t>
             </a:fld>
             <a:endParaRPr lang="fr-FR"/>
           </a:p>
@@ -2955,7 +2984,7 @@
           <a:p>
             <a:fld id="{B26B589B-F8E4-4D27-A429-ED1F33FF99FC}" type="datetimeFigureOut">
               <a:rPr lang="fr-FR" smtClean="0"/>
-              <a:t>18/04/2023</a:t>
+              <a:t>28/04/2023</a:t>
             </a:fld>
             <a:endParaRPr lang="fr-FR"/>
           </a:p>
@@ -3208,7 +3237,7 @@
           <a:p>
             <a:fld id="{B26B589B-F8E4-4D27-A429-ED1F33FF99FC}" type="datetimeFigureOut">
               <a:rPr lang="fr-FR" smtClean="0"/>
-              <a:t>18/04/2023</a:t>
+              <a:t>28/04/2023</a:t>
             </a:fld>
             <a:endParaRPr lang="fr-FR"/>
           </a:p>
@@ -3421,7 +3450,7 @@
           <a:p>
             <a:fld id="{B26B589B-F8E4-4D27-A429-ED1F33FF99FC}" type="datetimeFigureOut">
               <a:rPr lang="fr-FR" smtClean="0"/>
-              <a:t>18/04/2023</a:t>
+              <a:t>28/04/2023</a:t>
             </a:fld>
             <a:endParaRPr lang="fr-FR"/>
           </a:p>
@@ -4257,519 +4286,6 @@
 </p:sld>
 </file>
 
-<file path=ppt/slides/slide10.xml><?xml version="1.0" encoding="utf-8"?>
-<p:sld xmlns:a="http://schemas.openxmlformats.org/drawingml/2006/main" xmlns:r="http://schemas.openxmlformats.org/officeDocument/2006/relationships" xmlns:p="http://schemas.openxmlformats.org/presentationml/2006/main">
-  <p:cSld>
-    <p:spTree>
-      <p:nvGrpSpPr>
-        <p:cNvPr id="1" name=""/>
-        <p:cNvGrpSpPr/>
-        <p:nvPr/>
-      </p:nvGrpSpPr>
-      <p:grpSpPr>
-        <a:xfrm>
-          <a:off x="0" y="0"/>
-          <a:ext cx="0" cy="0"/>
-          <a:chOff x="0" y="0"/>
-          <a:chExt cx="0" cy="0"/>
-        </a:xfrm>
-      </p:grpSpPr>
-      <p:sp>
-        <p:nvSpPr>
-          <p:cNvPr id="2" name="Titre 1"/>
-          <p:cNvSpPr>
-            <a:spLocks noGrp="1"/>
-          </p:cNvSpPr>
-          <p:nvPr>
-            <p:ph type="title"/>
-          </p:nvPr>
-        </p:nvSpPr>
-        <p:spPr/>
-        <p:txBody>
-          <a:bodyPr/>
-          <a:lstStyle/>
-          <a:p>
-            <a:r>
-              <a:rPr lang="fr-FR" b="1" dirty="0" smtClean="0">
-                <a:gradFill>
-                  <a:gsLst>
-                    <a:gs pos="0">
-                      <a:srgbClr val="00B0F0"/>
-                    </a:gs>
-                    <a:gs pos="74000">
-                      <a:schemeClr val="accent6">
-                        <a:lumMod val="45000"/>
-                        <a:lumOff val="55000"/>
-                      </a:schemeClr>
-                    </a:gs>
-                    <a:gs pos="83000">
-                      <a:schemeClr val="accent6">
-                        <a:lumMod val="45000"/>
-                        <a:lumOff val="55000"/>
-                      </a:schemeClr>
-                    </a:gs>
-                    <a:gs pos="100000">
-                      <a:schemeClr val="accent6">
-                        <a:lumMod val="30000"/>
-                        <a:lumOff val="70000"/>
-                      </a:schemeClr>
-                    </a:gs>
-                  </a:gsLst>
-                  <a:lin ang="0" scaled="1"/>
-                </a:gradFill>
-              </a:rPr>
-              <a:t>Conception:</a:t>
-            </a:r>
-            <a:endParaRPr lang="fr-FR" dirty="0"/>
-          </a:p>
-        </p:txBody>
-      </p:sp>
-      <p:sp>
-        <p:nvSpPr>
-          <p:cNvPr id="3" name="Espace réservé du contenu 2"/>
-          <p:cNvSpPr>
-            <a:spLocks noGrp="1"/>
-          </p:cNvSpPr>
-          <p:nvPr>
-            <p:ph idx="1"/>
-          </p:nvPr>
-        </p:nvSpPr>
-        <p:spPr/>
-        <p:txBody>
-          <a:bodyPr/>
-          <a:lstStyle/>
-          <a:p>
-            <a:pPr>
-              <a:buFont typeface="Wingdings" panose="05000000000000000000" pitchFamily="2" charset="2"/>
-              <a:buChar char="ü"/>
-            </a:pPr>
-            <a:r>
-              <a:rPr lang="fr-FR" u="sng" dirty="0" smtClean="0"/>
-              <a:t> Diagramme de séquence(Passage de quizz):</a:t>
-            </a:r>
-          </a:p>
-          <a:p>
-            <a:pPr marL="0" indent="0">
-              <a:buNone/>
-            </a:pPr>
-            <a:endParaRPr lang="fr-FR" dirty="0"/>
-          </a:p>
-        </p:txBody>
-      </p:sp>
-    </p:spTree>
-    <p:extLst>
-      <p:ext uri="{BB962C8B-B14F-4D97-AF65-F5344CB8AC3E}">
-        <p14:creationId xmlns:p14="http://schemas.microsoft.com/office/powerpoint/2010/main" val="1089060790"/>
-      </p:ext>
-    </p:extLst>
-  </p:cSld>
-  <p:clrMapOvr>
-    <a:masterClrMapping/>
-  </p:clrMapOvr>
-  <p:timing>
-    <p:tnLst>
-      <p:par>
-        <p:cTn id="1" dur="indefinite" restart="never" nodeType="tmRoot"/>
-      </p:par>
-    </p:tnLst>
-  </p:timing>
-</p:sld>
-</file>
-
-<file path=ppt/slides/slide11.xml><?xml version="1.0" encoding="utf-8"?>
-<p:sld xmlns:a="http://schemas.openxmlformats.org/drawingml/2006/main" xmlns:r="http://schemas.openxmlformats.org/officeDocument/2006/relationships" xmlns:p="http://schemas.openxmlformats.org/presentationml/2006/main">
-  <p:cSld>
-    <p:spTree>
-      <p:nvGrpSpPr>
-        <p:cNvPr id="1" name=""/>
-        <p:cNvGrpSpPr/>
-        <p:nvPr/>
-      </p:nvGrpSpPr>
-      <p:grpSpPr>
-        <a:xfrm>
-          <a:off x="0" y="0"/>
-          <a:ext cx="0" cy="0"/>
-          <a:chOff x="0" y="0"/>
-          <a:chExt cx="0" cy="0"/>
-        </a:xfrm>
-      </p:grpSpPr>
-      <p:sp>
-        <p:nvSpPr>
-          <p:cNvPr id="2" name="Titre 1"/>
-          <p:cNvSpPr>
-            <a:spLocks noGrp="1"/>
-          </p:cNvSpPr>
-          <p:nvPr>
-            <p:ph type="title"/>
-          </p:nvPr>
-        </p:nvSpPr>
-        <p:spPr/>
-        <p:txBody>
-          <a:bodyPr/>
-          <a:lstStyle/>
-          <a:p>
-            <a:r>
-              <a:rPr lang="fr-FR" b="1" dirty="0" smtClean="0">
-                <a:gradFill>
-                  <a:gsLst>
-                    <a:gs pos="0">
-                      <a:srgbClr val="00B0F0"/>
-                    </a:gs>
-                    <a:gs pos="74000">
-                      <a:schemeClr val="accent6">
-                        <a:lumMod val="45000"/>
-                        <a:lumOff val="55000"/>
-                      </a:schemeClr>
-                    </a:gs>
-                    <a:gs pos="83000">
-                      <a:schemeClr val="accent6">
-                        <a:lumMod val="45000"/>
-                        <a:lumOff val="55000"/>
-                      </a:schemeClr>
-                    </a:gs>
-                    <a:gs pos="100000">
-                      <a:schemeClr val="accent6">
-                        <a:lumMod val="30000"/>
-                        <a:lumOff val="70000"/>
-                      </a:schemeClr>
-                    </a:gs>
-                  </a:gsLst>
-                  <a:lin ang="0" scaled="1"/>
-                </a:gradFill>
-              </a:rPr>
-              <a:t>Technologies utilisées:</a:t>
-            </a:r>
-            <a:endParaRPr lang="fr-FR" b="1" dirty="0">
-              <a:gradFill>
-                <a:gsLst>
-                  <a:gs pos="0">
-                    <a:srgbClr val="00B0F0"/>
-                  </a:gs>
-                  <a:gs pos="74000">
-                    <a:schemeClr val="accent6">
-                      <a:lumMod val="45000"/>
-                      <a:lumOff val="55000"/>
-                    </a:schemeClr>
-                  </a:gs>
-                  <a:gs pos="83000">
-                    <a:schemeClr val="accent6">
-                      <a:lumMod val="45000"/>
-                      <a:lumOff val="55000"/>
-                    </a:schemeClr>
-                  </a:gs>
-                  <a:gs pos="100000">
-                    <a:schemeClr val="accent6">
-                      <a:lumMod val="30000"/>
-                      <a:lumOff val="70000"/>
-                    </a:schemeClr>
-                  </a:gs>
-                </a:gsLst>
-                <a:lin ang="0" scaled="1"/>
-              </a:gradFill>
-            </a:endParaRPr>
-          </a:p>
-        </p:txBody>
-      </p:sp>
-      <p:graphicFrame>
-        <p:nvGraphicFramePr>
-          <p:cNvPr id="6" name="Espace réservé du contenu 5"/>
-          <p:cNvGraphicFramePr>
-            <a:graphicFrameLocks noGrp="1"/>
-          </p:cNvGraphicFramePr>
-          <p:nvPr>
-            <p:ph idx="1"/>
-            <p:extLst>
-              <p:ext uri="{D42A27DB-BD31-4B8C-83A1-F6EECF244321}">
-                <p14:modId xmlns:p14="http://schemas.microsoft.com/office/powerpoint/2010/main" val="2573091349"/>
-              </p:ext>
-            </p:extLst>
-          </p:nvPr>
-        </p:nvGraphicFramePr>
-        <p:xfrm>
-          <a:off x="838200" y="1825625"/>
-          <a:ext cx="10515600" cy="4351338"/>
-        </p:xfrm>
-        <a:graphic>
-          <a:graphicData uri="http://schemas.openxmlformats.org/drawingml/2006/chart">
-            <c:chart xmlns:c="http://schemas.openxmlformats.org/drawingml/2006/chart" xmlns:r="http://schemas.openxmlformats.org/officeDocument/2006/relationships" r:id="rId2"/>
-          </a:graphicData>
-        </a:graphic>
-      </p:graphicFrame>
-    </p:spTree>
-    <p:extLst>
-      <p:ext uri="{BB962C8B-B14F-4D97-AF65-F5344CB8AC3E}">
-        <p14:creationId xmlns:p14="http://schemas.microsoft.com/office/powerpoint/2010/main" val="2984909938"/>
-      </p:ext>
-    </p:extLst>
-  </p:cSld>
-  <p:clrMapOvr>
-    <a:masterClrMapping/>
-  </p:clrMapOvr>
-  <p:timing>
-    <p:tnLst>
-      <p:par>
-        <p:cTn id="1" dur="indefinite" restart="never" nodeType="tmRoot"/>
-      </p:par>
-    </p:tnLst>
-  </p:timing>
-</p:sld>
-</file>
-
-<file path=ppt/slides/slide12.xml><?xml version="1.0" encoding="utf-8"?>
-<p:sld xmlns:a="http://schemas.openxmlformats.org/drawingml/2006/main" xmlns:r="http://schemas.openxmlformats.org/officeDocument/2006/relationships" xmlns:p="http://schemas.openxmlformats.org/presentationml/2006/main">
-  <p:cSld>
-    <p:spTree>
-      <p:nvGrpSpPr>
-        <p:cNvPr id="1" name=""/>
-        <p:cNvGrpSpPr/>
-        <p:nvPr/>
-      </p:nvGrpSpPr>
-      <p:grpSpPr>
-        <a:xfrm>
-          <a:off x="0" y="0"/>
-          <a:ext cx="0" cy="0"/>
-          <a:chOff x="0" y="0"/>
-          <a:chExt cx="0" cy="0"/>
-        </a:xfrm>
-      </p:grpSpPr>
-      <p:sp>
-        <p:nvSpPr>
-          <p:cNvPr id="2" name="Titre 1"/>
-          <p:cNvSpPr>
-            <a:spLocks noGrp="1"/>
-          </p:cNvSpPr>
-          <p:nvPr>
-            <p:ph type="title"/>
-          </p:nvPr>
-        </p:nvSpPr>
-        <p:spPr/>
-        <p:txBody>
-          <a:bodyPr/>
-          <a:lstStyle/>
-          <a:p>
-            <a:r>
-              <a:rPr lang="fr-FR" b="1" dirty="0" smtClean="0">
-                <a:gradFill>
-                  <a:gsLst>
-                    <a:gs pos="0">
-                      <a:srgbClr val="00B0F0"/>
-                    </a:gs>
-                    <a:gs pos="74000">
-                      <a:schemeClr val="accent6">
-                        <a:lumMod val="45000"/>
-                        <a:lumOff val="55000"/>
-                      </a:schemeClr>
-                    </a:gs>
-                    <a:gs pos="83000">
-                      <a:schemeClr val="accent6">
-                        <a:lumMod val="45000"/>
-                        <a:lumOff val="55000"/>
-                      </a:schemeClr>
-                    </a:gs>
-                    <a:gs pos="100000">
-                      <a:schemeClr val="accent6">
-                        <a:lumMod val="30000"/>
-                        <a:lumOff val="70000"/>
-                      </a:schemeClr>
-                    </a:gs>
-                  </a:gsLst>
-                  <a:lin ang="0" scaled="1"/>
-                </a:gradFill>
-              </a:rPr>
-              <a:t>Maquettage (Figma):</a:t>
-            </a:r>
-            <a:endParaRPr lang="fr-FR" b="1" dirty="0">
-              <a:gradFill>
-                <a:gsLst>
-                  <a:gs pos="0">
-                    <a:srgbClr val="00B0F0"/>
-                  </a:gs>
-                  <a:gs pos="74000">
-                    <a:schemeClr val="accent6">
-                      <a:lumMod val="45000"/>
-                      <a:lumOff val="55000"/>
-                    </a:schemeClr>
-                  </a:gs>
-                  <a:gs pos="83000">
-                    <a:schemeClr val="accent6">
-                      <a:lumMod val="45000"/>
-                      <a:lumOff val="55000"/>
-                    </a:schemeClr>
-                  </a:gs>
-                  <a:gs pos="100000">
-                    <a:schemeClr val="accent6">
-                      <a:lumMod val="30000"/>
-                      <a:lumOff val="70000"/>
-                    </a:schemeClr>
-                  </a:gs>
-                </a:gsLst>
-                <a:lin ang="0" scaled="1"/>
-              </a:gradFill>
-            </a:endParaRPr>
-          </a:p>
-        </p:txBody>
-      </p:sp>
-      <p:sp>
-        <p:nvSpPr>
-          <p:cNvPr id="3" name="Espace réservé du contenu 2"/>
-          <p:cNvSpPr>
-            <a:spLocks noGrp="1"/>
-          </p:cNvSpPr>
-          <p:nvPr>
-            <p:ph idx="1"/>
-          </p:nvPr>
-        </p:nvSpPr>
-        <p:spPr/>
-        <p:txBody>
-          <a:bodyPr/>
-          <a:lstStyle/>
-          <a:p>
-            <a:r>
-              <a:rPr lang="fr-FR" dirty="0" smtClean="0"/>
-              <a:t>Voir </a:t>
-            </a:r>
-            <a:r>
-              <a:rPr lang="fr-FR" dirty="0" err="1" smtClean="0"/>
-              <a:t>figma</a:t>
-            </a:r>
-            <a:endParaRPr lang="fr-FR" dirty="0"/>
-          </a:p>
-        </p:txBody>
-      </p:sp>
-    </p:spTree>
-    <p:extLst>
-      <p:ext uri="{BB962C8B-B14F-4D97-AF65-F5344CB8AC3E}">
-        <p14:creationId xmlns:p14="http://schemas.microsoft.com/office/powerpoint/2010/main" val="1936187221"/>
-      </p:ext>
-    </p:extLst>
-  </p:cSld>
-  <p:clrMapOvr>
-    <a:masterClrMapping/>
-  </p:clrMapOvr>
-  <p:timing>
-    <p:tnLst>
-      <p:par>
-        <p:cTn id="1" dur="indefinite" restart="never" nodeType="tmRoot"/>
-      </p:par>
-    </p:tnLst>
-  </p:timing>
-</p:sld>
-</file>
-
-<file path=ppt/slides/slide13.xml><?xml version="1.0" encoding="utf-8"?>
-<p:sld xmlns:a="http://schemas.openxmlformats.org/drawingml/2006/main" xmlns:r="http://schemas.openxmlformats.org/officeDocument/2006/relationships" xmlns:p="http://schemas.openxmlformats.org/presentationml/2006/main">
-  <p:cSld>
-    <p:spTree>
-      <p:nvGrpSpPr>
-        <p:cNvPr id="1" name=""/>
-        <p:cNvGrpSpPr/>
-        <p:nvPr/>
-      </p:nvGrpSpPr>
-      <p:grpSpPr>
-        <a:xfrm>
-          <a:off x="0" y="0"/>
-          <a:ext cx="0" cy="0"/>
-          <a:chOff x="0" y="0"/>
-          <a:chExt cx="0" cy="0"/>
-        </a:xfrm>
-      </p:grpSpPr>
-      <p:sp>
-        <p:nvSpPr>
-          <p:cNvPr id="2" name="Titre 1"/>
-          <p:cNvSpPr>
-            <a:spLocks noGrp="1"/>
-          </p:cNvSpPr>
-          <p:nvPr>
-            <p:ph type="title"/>
-          </p:nvPr>
-        </p:nvSpPr>
-        <p:spPr/>
-        <p:txBody>
-          <a:bodyPr/>
-          <a:lstStyle/>
-          <a:p>
-            <a:r>
-              <a:rPr lang="fr-FR" b="1" dirty="0" smtClean="0">
-                <a:gradFill>
-                  <a:gsLst>
-                    <a:gs pos="0">
-                      <a:srgbClr val="00B0F0"/>
-                    </a:gs>
-                    <a:gs pos="74000">
-                      <a:schemeClr val="accent6">
-                        <a:lumMod val="45000"/>
-                        <a:lumOff val="55000"/>
-                      </a:schemeClr>
-                    </a:gs>
-                    <a:gs pos="83000">
-                      <a:schemeClr val="accent6">
-                        <a:lumMod val="45000"/>
-                        <a:lumOff val="55000"/>
-                      </a:schemeClr>
-                    </a:gs>
-                    <a:gs pos="100000">
-                      <a:schemeClr val="accent6">
-                        <a:lumMod val="30000"/>
-                        <a:lumOff val="70000"/>
-                      </a:schemeClr>
-                    </a:gs>
-                  </a:gsLst>
-                  <a:lin ang="0" scaled="1"/>
-                </a:gradFill>
-              </a:rPr>
-              <a:t>Démonstration du projet:</a:t>
-            </a:r>
-            <a:endParaRPr lang="fr-FR" b="1" dirty="0">
-              <a:gradFill>
-                <a:gsLst>
-                  <a:gs pos="0">
-                    <a:srgbClr val="00B0F0"/>
-                  </a:gs>
-                  <a:gs pos="74000">
-                    <a:schemeClr val="accent6">
-                      <a:lumMod val="45000"/>
-                      <a:lumOff val="55000"/>
-                    </a:schemeClr>
-                  </a:gs>
-                  <a:gs pos="83000">
-                    <a:schemeClr val="accent6">
-                      <a:lumMod val="45000"/>
-                      <a:lumOff val="55000"/>
-                    </a:schemeClr>
-                  </a:gs>
-                  <a:gs pos="100000">
-                    <a:schemeClr val="accent6">
-                      <a:lumMod val="30000"/>
-                      <a:lumOff val="70000"/>
-                    </a:schemeClr>
-                  </a:gs>
-                </a:gsLst>
-                <a:lin ang="0" scaled="1"/>
-              </a:gradFill>
-            </a:endParaRPr>
-          </a:p>
-        </p:txBody>
-      </p:sp>
-    </p:spTree>
-    <p:extLst>
-      <p:ext uri="{BB962C8B-B14F-4D97-AF65-F5344CB8AC3E}">
-        <p14:creationId xmlns:p14="http://schemas.microsoft.com/office/powerpoint/2010/main" val="2829255692"/>
-      </p:ext>
-    </p:extLst>
-  </p:cSld>
-  <p:clrMapOvr>
-    <a:masterClrMapping/>
-  </p:clrMapOvr>
-  <p:timing>
-    <p:tnLst>
-      <p:par>
-        <p:cTn id="1" dur="indefinite" restart="never" nodeType="tmRoot"/>
-      </p:par>
-    </p:tnLst>
-  </p:timing>
-</p:sld>
-</file>
-
 <file path=ppt/slides/slide2.xml><?xml version="1.0" encoding="utf-8"?>
 <p:sld xmlns:a="http://schemas.openxmlformats.org/drawingml/2006/main" xmlns:r="http://schemas.openxmlformats.org/officeDocument/2006/relationships" xmlns:p="http://schemas.openxmlformats.org/presentationml/2006/main">
   <p:cSld>
@@ -5086,15 +4602,70 @@
             <p:ph idx="1"/>
           </p:nvPr>
         </p:nvSpPr>
-        <p:spPr/>
-        <p:txBody>
-          <a:bodyPr/>
-          <a:lstStyle/>
-          <a:p>
+        <p:spPr>
+          <a:xfrm>
+            <a:off x="612057" y="1688178"/>
+            <a:ext cx="8354962" cy="4351338"/>
+          </a:xfrm>
+        </p:spPr>
+        <p:txBody>
+          <a:bodyPr/>
+          <a:lstStyle/>
+          <a:p>
+            <a:r>
+              <a:rPr lang="fr-FR" dirty="0" smtClean="0"/>
+              <a:t>The </a:t>
+            </a:r>
+            <a:r>
+              <a:rPr lang="fr-FR" dirty="0" err="1" smtClean="0"/>
+              <a:t>Electrical</a:t>
+            </a:r>
+            <a:r>
+              <a:rPr lang="fr-FR" dirty="0" smtClean="0"/>
+              <a:t> </a:t>
+            </a:r>
+            <a:r>
+              <a:rPr lang="fr-FR" dirty="0" err="1"/>
+              <a:t>Schoolhouse</a:t>
+            </a:r>
+            <a:r>
+              <a:rPr lang="fr-FR" dirty="0"/>
+              <a:t> est un site web qui permet aux utilisateurs de partager leurs connaissances, leurs idées et les actualités dans le domaine du génie électrique sous forme de blogs. Il offre également la possibilité de créer et de passer des quiz créés par d'autres personnes afin d'enrichir ses connaissances dans le domaine électrique. Ce site web est conçu comme une communauté privée pour les électriciens, où ils peuvent interagir entre eux et bénéficier d'un espace dédié à leur profession.</a:t>
+            </a:r>
             <a:endParaRPr lang="fr-FR" dirty="0"/>
           </a:p>
         </p:txBody>
       </p:sp>
+      <p:pic>
+        <p:nvPicPr>
+          <p:cNvPr id="4" name="Image 3"/>
+          <p:cNvPicPr>
+            <a:picLocks noChangeAspect="1"/>
+          </p:cNvPicPr>
+          <p:nvPr/>
+        </p:nvPicPr>
+        <p:blipFill>
+          <a:blip r:embed="rId2">
+            <a:extLst>
+              <a:ext uri="{28A0092B-C50C-407E-A947-70E740481C1C}">
+                <a14:useLocalDpi xmlns:a14="http://schemas.microsoft.com/office/drawing/2010/main" val="0"/>
+              </a:ext>
+            </a:extLst>
+          </a:blip>
+          <a:stretch>
+            <a:fillRect/>
+          </a:stretch>
+        </p:blipFill>
+        <p:spPr>
+          <a:xfrm>
+            <a:off x="9290252" y="1228570"/>
+            <a:ext cx="2764095" cy="4808435"/>
+          </a:xfrm>
+          <a:prstGeom prst="rect">
+            <a:avLst/>
+          </a:prstGeom>
+        </p:spPr>
+      </p:pic>
     </p:spTree>
     <p:extLst>
       <p:ext uri="{BB962C8B-B14F-4D97-AF65-F5344CB8AC3E}">
@@ -5444,49 +5015,68 @@
                   <a:lin ang="0" scaled="1"/>
                 </a:gradFill>
               </a:rPr>
-              <a:t>Conception:</a:t>
-            </a:r>
-            <a:endParaRPr lang="fr-FR" dirty="0"/>
-          </a:p>
-        </p:txBody>
-      </p:sp>
-      <p:sp>
-        <p:nvSpPr>
-          <p:cNvPr id="3" name="Espace réservé du contenu 2"/>
-          <p:cNvSpPr>
-            <a:spLocks noGrp="1"/>
-          </p:cNvSpPr>
+              <a:t>Technologies utilisées:</a:t>
+            </a:r>
+            <a:endParaRPr lang="fr-FR" b="1" dirty="0">
+              <a:gradFill>
+                <a:gsLst>
+                  <a:gs pos="0">
+                    <a:srgbClr val="00B0F0"/>
+                  </a:gs>
+                  <a:gs pos="74000">
+                    <a:schemeClr val="accent6">
+                      <a:lumMod val="45000"/>
+                      <a:lumOff val="55000"/>
+                    </a:schemeClr>
+                  </a:gs>
+                  <a:gs pos="83000">
+                    <a:schemeClr val="accent6">
+                      <a:lumMod val="45000"/>
+                      <a:lumOff val="55000"/>
+                    </a:schemeClr>
+                  </a:gs>
+                  <a:gs pos="100000">
+                    <a:schemeClr val="accent6">
+                      <a:lumMod val="30000"/>
+                      <a:lumOff val="70000"/>
+                    </a:schemeClr>
+                  </a:gs>
+                </a:gsLst>
+                <a:lin ang="0" scaled="1"/>
+              </a:gradFill>
+            </a:endParaRPr>
+          </a:p>
+        </p:txBody>
+      </p:sp>
+      <p:graphicFrame>
+        <p:nvGraphicFramePr>
+          <p:cNvPr id="6" name="Espace réservé du contenu 5"/>
+          <p:cNvGraphicFramePr>
+            <a:graphicFrameLocks noGrp="1"/>
+          </p:cNvGraphicFramePr>
           <p:nvPr>
             <p:ph idx="1"/>
-          </p:nvPr>
-        </p:nvSpPr>
-        <p:spPr/>
-        <p:txBody>
-          <a:bodyPr>
-            <a:normAutofit/>
-          </a:bodyPr>
-          <a:lstStyle/>
-          <a:p>
-            <a:pPr>
-              <a:buFont typeface="Wingdings" panose="05000000000000000000" pitchFamily="2" charset="2"/>
-              <a:buChar char="ü"/>
-            </a:pPr>
-            <a:r>
-              <a:rPr lang="fr-FR" u="sng" dirty="0"/>
-              <a:t> Modèle de données relationnel</a:t>
-            </a:r>
-            <a:r>
-              <a:rPr lang="fr-FR" u="sng" dirty="0" smtClean="0"/>
-              <a:t>:</a:t>
-            </a:r>
-            <a:endParaRPr lang="fr-FR" u="sng" dirty="0"/>
-          </a:p>
-        </p:txBody>
-      </p:sp>
+            <p:extLst>
+              <p:ext uri="{D42A27DB-BD31-4B8C-83A1-F6EECF244321}">
+                <p14:modId xmlns:p14="http://schemas.microsoft.com/office/powerpoint/2010/main" val="2573091349"/>
+              </p:ext>
+            </p:extLst>
+          </p:nvPr>
+        </p:nvGraphicFramePr>
+        <p:xfrm>
+          <a:off x="838200" y="1825625"/>
+          <a:ext cx="10515600" cy="4351338"/>
+        </p:xfrm>
+        <a:graphic>
+          <a:graphicData uri="http://schemas.openxmlformats.org/drawingml/2006/chart">
+            <c:chart xmlns:c="http://schemas.openxmlformats.org/drawingml/2006/chart" xmlns:r="http://schemas.openxmlformats.org/officeDocument/2006/relationships" r:id="rId2"/>
+          </a:graphicData>
+        </a:graphic>
+      </p:graphicFrame>
     </p:spTree>
     <p:extLst>
       <p:ext uri="{BB962C8B-B14F-4D97-AF65-F5344CB8AC3E}">
-        <p14:creationId xmlns:p14="http://schemas.microsoft.com/office/powerpoint/2010/main" val="1430989035"/>
+        <p14:creationId xmlns:p14="http://schemas.microsoft.com/office/powerpoint/2010/main" val="2984909938"/>
       </p:ext>
     </p:extLst>
   </p:cSld>
@@ -5564,296 +5154,43 @@
                   <a:lin ang="0" scaled="1"/>
                 </a:gradFill>
               </a:rPr>
-              <a:t>Conception:</a:t>
-            </a:r>
-            <a:endParaRPr lang="fr-FR" dirty="0"/>
-          </a:p>
-        </p:txBody>
-      </p:sp>
-      <p:sp>
-        <p:nvSpPr>
-          <p:cNvPr id="3" name="Espace réservé du contenu 2"/>
-          <p:cNvSpPr>
-            <a:spLocks noGrp="1"/>
-          </p:cNvSpPr>
-          <p:nvPr>
-            <p:ph idx="1"/>
-          </p:nvPr>
-        </p:nvSpPr>
-        <p:spPr/>
-        <p:txBody>
-          <a:bodyPr/>
-          <a:lstStyle/>
-          <a:p>
-            <a:pPr>
-              <a:buFont typeface="Wingdings" panose="05000000000000000000" pitchFamily="2" charset="2"/>
-              <a:buChar char="ü"/>
-            </a:pPr>
-            <a:r>
-              <a:rPr lang="fr-FR" u="sng" dirty="0"/>
-              <a:t> Diagramme de </a:t>
-            </a:r>
-            <a:r>
-              <a:rPr lang="fr-FR" u="sng" dirty="0" smtClean="0"/>
-              <a:t>séquence(</a:t>
-            </a:r>
-            <a:r>
-              <a:rPr lang="fr-FR" u="sng" dirty="0" err="1" smtClean="0"/>
-              <a:t>SignUP</a:t>
-            </a:r>
-            <a:r>
-              <a:rPr lang="fr-FR" u="sng" dirty="0" smtClean="0"/>
-              <a:t>):</a:t>
-            </a:r>
-            <a:endParaRPr lang="fr-FR" u="sng" dirty="0"/>
+              <a:t>Démonstration du projet:</a:t>
+            </a:r>
+            <a:endParaRPr lang="fr-FR" b="1" dirty="0">
+              <a:gradFill>
+                <a:gsLst>
+                  <a:gs pos="0">
+                    <a:srgbClr val="00B0F0"/>
+                  </a:gs>
+                  <a:gs pos="74000">
+                    <a:schemeClr val="accent6">
+                      <a:lumMod val="45000"/>
+                      <a:lumOff val="55000"/>
+                    </a:schemeClr>
+                  </a:gs>
+                  <a:gs pos="83000">
+                    <a:schemeClr val="accent6">
+                      <a:lumMod val="45000"/>
+                      <a:lumOff val="55000"/>
+                    </a:schemeClr>
+                  </a:gs>
+                  <a:gs pos="100000">
+                    <a:schemeClr val="accent6">
+                      <a:lumMod val="30000"/>
+                      <a:lumOff val="70000"/>
+                    </a:schemeClr>
+                  </a:gs>
+                </a:gsLst>
+                <a:lin ang="0" scaled="1"/>
+              </a:gradFill>
+            </a:endParaRPr>
           </a:p>
         </p:txBody>
       </p:sp>
     </p:spTree>
     <p:extLst>
       <p:ext uri="{BB962C8B-B14F-4D97-AF65-F5344CB8AC3E}">
-        <p14:creationId xmlns:p14="http://schemas.microsoft.com/office/powerpoint/2010/main" val="3045198028"/>
-      </p:ext>
-    </p:extLst>
-  </p:cSld>
-  <p:clrMapOvr>
-    <a:masterClrMapping/>
-  </p:clrMapOvr>
-  <p:timing>
-    <p:tnLst>
-      <p:par>
-        <p:cTn id="1" dur="indefinite" restart="never" nodeType="tmRoot"/>
-      </p:par>
-    </p:tnLst>
-  </p:timing>
-</p:sld>
-</file>
-
-<file path=ppt/slides/slide8.xml><?xml version="1.0" encoding="utf-8"?>
-<p:sld xmlns:a="http://schemas.openxmlformats.org/drawingml/2006/main" xmlns:r="http://schemas.openxmlformats.org/officeDocument/2006/relationships" xmlns:p="http://schemas.openxmlformats.org/presentationml/2006/main">
-  <p:cSld>
-    <p:spTree>
-      <p:nvGrpSpPr>
-        <p:cNvPr id="1" name=""/>
-        <p:cNvGrpSpPr/>
-        <p:nvPr/>
-      </p:nvGrpSpPr>
-      <p:grpSpPr>
-        <a:xfrm>
-          <a:off x="0" y="0"/>
-          <a:ext cx="0" cy="0"/>
-          <a:chOff x="0" y="0"/>
-          <a:chExt cx="0" cy="0"/>
-        </a:xfrm>
-      </p:grpSpPr>
-      <p:sp>
-        <p:nvSpPr>
-          <p:cNvPr id="2" name="Titre 1"/>
-          <p:cNvSpPr>
-            <a:spLocks noGrp="1"/>
-          </p:cNvSpPr>
-          <p:nvPr>
-            <p:ph type="title"/>
-          </p:nvPr>
-        </p:nvSpPr>
-        <p:spPr/>
-        <p:txBody>
-          <a:bodyPr/>
-          <a:lstStyle/>
-          <a:p>
-            <a:r>
-              <a:rPr lang="fr-FR" b="1" dirty="0" smtClean="0">
-                <a:gradFill>
-                  <a:gsLst>
-                    <a:gs pos="0">
-                      <a:srgbClr val="00B0F0"/>
-                    </a:gs>
-                    <a:gs pos="74000">
-                      <a:schemeClr val="accent6">
-                        <a:lumMod val="45000"/>
-                        <a:lumOff val="55000"/>
-                      </a:schemeClr>
-                    </a:gs>
-                    <a:gs pos="83000">
-                      <a:schemeClr val="accent6">
-                        <a:lumMod val="45000"/>
-                        <a:lumOff val="55000"/>
-                      </a:schemeClr>
-                    </a:gs>
-                    <a:gs pos="100000">
-                      <a:schemeClr val="accent6">
-                        <a:lumMod val="30000"/>
-                        <a:lumOff val="70000"/>
-                      </a:schemeClr>
-                    </a:gs>
-                  </a:gsLst>
-                  <a:lin ang="0" scaled="1"/>
-                </a:gradFill>
-              </a:rPr>
-              <a:t>Conception:</a:t>
-            </a:r>
-            <a:endParaRPr lang="fr-FR" dirty="0"/>
-          </a:p>
-        </p:txBody>
-      </p:sp>
-      <p:sp>
-        <p:nvSpPr>
-          <p:cNvPr id="3" name="Espace réservé du contenu 2"/>
-          <p:cNvSpPr>
-            <a:spLocks noGrp="1"/>
-          </p:cNvSpPr>
-          <p:nvPr>
-            <p:ph idx="1"/>
-          </p:nvPr>
-        </p:nvSpPr>
-        <p:spPr/>
-        <p:txBody>
-          <a:bodyPr/>
-          <a:lstStyle/>
-          <a:p>
-            <a:r>
-              <a:rPr lang="fr-FR" u="sng" dirty="0" smtClean="0"/>
-              <a:t> Diagramme de séquence(</a:t>
-            </a:r>
-            <a:r>
-              <a:rPr lang="fr-FR" u="sng" dirty="0" err="1" smtClean="0"/>
-              <a:t>LogIN</a:t>
-            </a:r>
-            <a:r>
-              <a:rPr lang="fr-FR" u="sng" dirty="0" smtClean="0"/>
-              <a:t>):</a:t>
-            </a:r>
-          </a:p>
-        </p:txBody>
-      </p:sp>
-    </p:spTree>
-    <p:extLst>
-      <p:ext uri="{BB962C8B-B14F-4D97-AF65-F5344CB8AC3E}">
-        <p14:creationId xmlns:p14="http://schemas.microsoft.com/office/powerpoint/2010/main" val="3680860652"/>
-      </p:ext>
-    </p:extLst>
-  </p:cSld>
-  <p:clrMapOvr>
-    <a:masterClrMapping/>
-  </p:clrMapOvr>
-  <p:timing>
-    <p:tnLst>
-      <p:par>
-        <p:cTn id="1" dur="indefinite" restart="never" nodeType="tmRoot"/>
-      </p:par>
-    </p:tnLst>
-  </p:timing>
-</p:sld>
-</file>
-
-<file path=ppt/slides/slide9.xml><?xml version="1.0" encoding="utf-8"?>
-<p:sld xmlns:a="http://schemas.openxmlformats.org/drawingml/2006/main" xmlns:r="http://schemas.openxmlformats.org/officeDocument/2006/relationships" xmlns:p="http://schemas.openxmlformats.org/presentationml/2006/main">
-  <p:cSld>
-    <p:spTree>
-      <p:nvGrpSpPr>
-        <p:cNvPr id="1" name=""/>
-        <p:cNvGrpSpPr/>
-        <p:nvPr/>
-      </p:nvGrpSpPr>
-      <p:grpSpPr>
-        <a:xfrm>
-          <a:off x="0" y="0"/>
-          <a:ext cx="0" cy="0"/>
-          <a:chOff x="0" y="0"/>
-          <a:chExt cx="0" cy="0"/>
-        </a:xfrm>
-      </p:grpSpPr>
-      <p:sp>
-        <p:nvSpPr>
-          <p:cNvPr id="2" name="Titre 1"/>
-          <p:cNvSpPr>
-            <a:spLocks noGrp="1"/>
-          </p:cNvSpPr>
-          <p:nvPr>
-            <p:ph type="title"/>
-          </p:nvPr>
-        </p:nvSpPr>
-        <p:spPr/>
-        <p:txBody>
-          <a:bodyPr/>
-          <a:lstStyle/>
-          <a:p>
-            <a:r>
-              <a:rPr lang="fr-FR" b="1" dirty="0" smtClean="0">
-                <a:gradFill>
-                  <a:gsLst>
-                    <a:gs pos="0">
-                      <a:srgbClr val="00B0F0"/>
-                    </a:gs>
-                    <a:gs pos="74000">
-                      <a:schemeClr val="accent6">
-                        <a:lumMod val="45000"/>
-                        <a:lumOff val="55000"/>
-                      </a:schemeClr>
-                    </a:gs>
-                    <a:gs pos="83000">
-                      <a:schemeClr val="accent6">
-                        <a:lumMod val="45000"/>
-                        <a:lumOff val="55000"/>
-                      </a:schemeClr>
-                    </a:gs>
-                    <a:gs pos="100000">
-                      <a:schemeClr val="accent6">
-                        <a:lumMod val="30000"/>
-                        <a:lumOff val="70000"/>
-                      </a:schemeClr>
-                    </a:gs>
-                  </a:gsLst>
-                  <a:lin ang="0" scaled="1"/>
-                </a:gradFill>
-              </a:rPr>
-              <a:t>Conception:</a:t>
-            </a:r>
-            <a:endParaRPr lang="fr-FR" dirty="0"/>
-          </a:p>
-        </p:txBody>
-      </p:sp>
-      <p:sp>
-        <p:nvSpPr>
-          <p:cNvPr id="3" name="Espace réservé du contenu 2"/>
-          <p:cNvSpPr>
-            <a:spLocks noGrp="1"/>
-          </p:cNvSpPr>
-          <p:nvPr>
-            <p:ph idx="1"/>
-          </p:nvPr>
-        </p:nvSpPr>
-        <p:spPr/>
-        <p:txBody>
-          <a:bodyPr/>
-          <a:lstStyle/>
-          <a:p>
-            <a:pPr>
-              <a:buFont typeface="Wingdings" panose="05000000000000000000" pitchFamily="2" charset="2"/>
-              <a:buChar char="ü"/>
-            </a:pPr>
-            <a:r>
-              <a:rPr lang="fr-FR" u="sng" dirty="0" smtClean="0"/>
-              <a:t> Diagramme de séquence(</a:t>
-            </a:r>
-            <a:r>
-              <a:rPr lang="fr-FR" u="sng" dirty="0" err="1" smtClean="0"/>
-              <a:t>Create</a:t>
-            </a:r>
-            <a:r>
-              <a:rPr lang="fr-FR" u="sng" dirty="0" smtClean="0"/>
-              <a:t> Blogs):</a:t>
-            </a:r>
-          </a:p>
-          <a:p>
-            <a:endParaRPr lang="fr-FR" dirty="0"/>
-          </a:p>
-        </p:txBody>
-      </p:sp>
-    </p:spTree>
-    <p:extLst>
-      <p:ext uri="{BB962C8B-B14F-4D97-AF65-F5344CB8AC3E}">
-        <p14:creationId xmlns:p14="http://schemas.microsoft.com/office/powerpoint/2010/main" val="329593093"/>
+        <p14:creationId xmlns:p14="http://schemas.microsoft.com/office/powerpoint/2010/main" val="2829255692"/>
       </p:ext>
     </p:extLst>
   </p:cSld>
